--- a/Documentations/IHVN PROGRAM DASHBOARD.pptx
+++ b/Documentations/IHVN PROGRAM DASHBOARD.pptx
@@ -7810,7 +7810,7 @@
             <p:ph idx="1"/>
             <p:extLst>
               <p:ext uri="{D42A27DB-BD31-4B8C-83A1-F6EECF244321}">
-                <p14:modId xmlns:p14="http://schemas.microsoft.com/office/powerpoint/2010/main" val="103568783"/>
+                <p14:modId xmlns:p14="http://schemas.microsoft.com/office/powerpoint/2010/main" val="24022001"/>
               </p:ext>
             </p:extLst>
           </p:nvPr>
@@ -8017,6 +8017,10 @@
                     <a:bodyPr/>
                     <a:lstStyle/>
                     <a:p>
+                      <a:r>
+                        <a:rPr lang="en-US" dirty="0" smtClean="0"/>
+                        <a:t>Aristotle Anana</a:t>
+                      </a:r>
                       <a:endParaRPr lang="en-US" dirty="0"/>
                     </a:p>
                   </a:txBody>
@@ -8065,7 +8069,7 @@
                     <a:p>
                       <a:r>
                         <a:rPr lang="en-US" dirty="0" smtClean="0"/>
-                        <a:t>Aristotle Anana</a:t>
+                        <a:t>Ozordi Sandra</a:t>
                       </a:r>
                       <a:endParaRPr lang="en-US" dirty="0"/>
                     </a:p>
@@ -8115,7 +8119,7 @@
                     <a:p>
                       <a:r>
                         <a:rPr lang="en-US" dirty="0" smtClean="0"/>
-                        <a:t>Ozordi Sandra</a:t>
+                        <a:t>Daniel Pam</a:t>
                       </a:r>
                       <a:endParaRPr lang="en-US" dirty="0"/>
                     </a:p>
@@ -8163,10 +8167,6 @@
                     <a:bodyPr/>
                     <a:lstStyle/>
                     <a:p>
-                      <a:r>
-                        <a:rPr lang="en-US" dirty="0" smtClean="0"/>
-                        <a:t>Daniel Pam</a:t>
-                      </a:r>
                       <a:endParaRPr lang="en-US" dirty="0"/>
                     </a:p>
                   </a:txBody>
@@ -8316,7 +8316,7 @@
             <p:ph idx="1"/>
             <p:extLst>
               <p:ext uri="{D42A27DB-BD31-4B8C-83A1-F6EECF244321}">
-                <p14:modId xmlns:p14="http://schemas.microsoft.com/office/powerpoint/2010/main" val="2419743472"/>
+                <p14:modId xmlns:p14="http://schemas.microsoft.com/office/powerpoint/2010/main" val="78777798"/>
               </p:ext>
             </p:extLst>
           </p:nvPr>
@@ -8437,6 +8437,10 @@
                     <a:bodyPr/>
                     <a:lstStyle/>
                     <a:p>
+                      <a:r>
+                        <a:rPr lang="en-US" dirty="0" smtClean="0"/>
+                        <a:t>9.</a:t>
+                      </a:r>
                       <a:endParaRPr lang="en-US" dirty="0"/>
                     </a:p>
                   </a:txBody>
@@ -8447,6 +8451,10 @@
                     <a:bodyPr/>
                     <a:lstStyle/>
                     <a:p>
+                      <a:r>
+                        <a:rPr lang="en-US" smtClean="0"/>
+                        <a:t>Eunice Ekong</a:t>
+                      </a:r>
                       <a:endParaRPr lang="en-US"/>
                     </a:p>
                   </a:txBody>

--- a/Documentations/IHVN PROGRAM DASHBOARD.pptx
+++ b/Documentations/IHVN PROGRAM DASHBOARD.pptx
@@ -17,6 +17,7 @@
     <p:sldId id="265" r:id="rId11"/>
     <p:sldId id="267" r:id="rId12"/>
     <p:sldId id="269" r:id="rId13"/>
+    <p:sldId id="270" r:id="rId14"/>
   </p:sldIdLst>
   <p:sldSz cx="12192000" cy="6858000"/>
   <p:notesSz cx="6858000" cy="9144000"/>
@@ -311,7 +312,7 @@
           <a:p>
             <a:fld id="{64B92FE1-51A9-415F-8136-DA7198B8F738}" type="datetimeFigureOut">
               <a:rPr lang="en-US" smtClean="0"/>
-              <a:t>5/9/2022</a:t>
+              <a:t>5/13/2022</a:t>
             </a:fld>
             <a:endParaRPr lang="en-US" dirty="0"/>
           </a:p>
@@ -649,7 +650,7 @@
           <a:p>
             <a:fld id="{64B92FE1-51A9-415F-8136-DA7198B8F738}" type="datetimeFigureOut">
               <a:rPr lang="en-US" smtClean="0"/>
-              <a:t>5/9/2022</a:t>
+              <a:t>5/13/2022</a:t>
             </a:fld>
             <a:endParaRPr lang="en-US" dirty="0"/>
           </a:p>
@@ -1050,7 +1051,7 @@
           <a:p>
             <a:fld id="{64B92FE1-51A9-415F-8136-DA7198B8F738}" type="datetimeFigureOut">
               <a:rPr lang="en-US" smtClean="0"/>
-              <a:t>5/9/2022</a:t>
+              <a:t>5/13/2022</a:t>
             </a:fld>
             <a:endParaRPr lang="en-US" dirty="0"/>
           </a:p>
@@ -1386,7 +1387,7 @@
           <a:p>
             <a:fld id="{64B92FE1-51A9-415F-8136-DA7198B8F738}" type="datetimeFigureOut">
               <a:rPr lang="en-US" smtClean="0"/>
-              <a:t>5/9/2022</a:t>
+              <a:t>5/13/2022</a:t>
             </a:fld>
             <a:endParaRPr lang="en-US" dirty="0"/>
           </a:p>
@@ -1706,7 +1707,7 @@
           <a:p>
             <a:fld id="{64B92FE1-51A9-415F-8136-DA7198B8F738}" type="datetimeFigureOut">
               <a:rPr lang="en-US" smtClean="0"/>
-              <a:t>5/9/2022</a:t>
+              <a:t>5/13/2022</a:t>
             </a:fld>
             <a:endParaRPr lang="en-US" dirty="0"/>
           </a:p>
@@ -2102,7 +2103,7 @@
           <a:p>
             <a:fld id="{64B92FE1-51A9-415F-8136-DA7198B8F738}" type="datetimeFigureOut">
               <a:rPr lang="en-US" smtClean="0"/>
-              <a:t>5/9/2022</a:t>
+              <a:t>5/13/2022</a:t>
             </a:fld>
             <a:endParaRPr lang="en-US" dirty="0"/>
           </a:p>
@@ -2359,7 +2360,7 @@
           <a:p>
             <a:fld id="{64B92FE1-51A9-415F-8136-DA7198B8F738}" type="datetimeFigureOut">
               <a:rPr lang="en-US" smtClean="0"/>
-              <a:t>5/9/2022</a:t>
+              <a:t>5/13/2022</a:t>
             </a:fld>
             <a:endParaRPr lang="en-US" dirty="0"/>
           </a:p>
@@ -2621,7 +2622,7 @@
           <a:p>
             <a:fld id="{64B92FE1-51A9-415F-8136-DA7198B8F738}" type="datetimeFigureOut">
               <a:rPr lang="en-US" smtClean="0"/>
-              <a:t>5/9/2022</a:t>
+              <a:t>5/13/2022</a:t>
             </a:fld>
             <a:endParaRPr lang="en-US" dirty="0"/>
           </a:p>
@@ -2883,7 +2884,7 @@
           <a:p>
             <a:fld id="{64B92FE1-51A9-415F-8136-DA7198B8F738}" type="datetimeFigureOut">
               <a:rPr lang="en-US" smtClean="0"/>
-              <a:t>5/9/2022</a:t>
+              <a:t>5/13/2022</a:t>
             </a:fld>
             <a:endParaRPr lang="en-US" dirty="0"/>
           </a:p>
@@ -3212,7 +3213,7 @@
           <a:p>
             <a:fld id="{64B92FE1-51A9-415F-8136-DA7198B8F738}" type="datetimeFigureOut">
               <a:rPr lang="en-US" smtClean="0"/>
-              <a:t>5/9/2022</a:t>
+              <a:t>5/13/2022</a:t>
             </a:fld>
             <a:endParaRPr lang="en-US" dirty="0"/>
           </a:p>
@@ -3535,7 +3536,7 @@
           <a:p>
             <a:fld id="{64B92FE1-51A9-415F-8136-DA7198B8F738}" type="datetimeFigureOut">
               <a:rPr lang="en-US" smtClean="0"/>
-              <a:t>5/9/2022</a:t>
+              <a:t>5/13/2022</a:t>
             </a:fld>
             <a:endParaRPr lang="en-US" dirty="0"/>
           </a:p>
@@ -3992,7 +3993,7 @@
           <a:p>
             <a:fld id="{64B92FE1-51A9-415F-8136-DA7198B8F738}" type="datetimeFigureOut">
               <a:rPr lang="en-US" smtClean="0"/>
-              <a:t>5/9/2022</a:t>
+              <a:t>5/13/2022</a:t>
             </a:fld>
             <a:endParaRPr lang="en-US" dirty="0"/>
           </a:p>
@@ -4197,7 +4198,7 @@
           <a:p>
             <a:fld id="{64B92FE1-51A9-415F-8136-DA7198B8F738}" type="datetimeFigureOut">
               <a:rPr lang="en-US" smtClean="0"/>
-              <a:t>5/9/2022</a:t>
+              <a:t>5/13/2022</a:t>
             </a:fld>
             <a:endParaRPr lang="en-US" dirty="0"/>
           </a:p>
@@ -4374,7 +4375,7 @@
           <a:p>
             <a:fld id="{64B92FE1-51A9-415F-8136-DA7198B8F738}" type="datetimeFigureOut">
               <a:rPr lang="en-US" smtClean="0"/>
-              <a:t>5/9/2022</a:t>
+              <a:t>5/13/2022</a:t>
             </a:fld>
             <a:endParaRPr lang="en-US" dirty="0"/>
           </a:p>
@@ -4707,7 +4708,7 @@
           <a:p>
             <a:fld id="{64B92FE1-51A9-415F-8136-DA7198B8F738}" type="datetimeFigureOut">
               <a:rPr lang="en-US" smtClean="0"/>
-              <a:t>5/9/2022</a:t>
+              <a:t>5/13/2022</a:t>
             </a:fld>
             <a:endParaRPr lang="en-US" dirty="0"/>
           </a:p>
@@ -5052,7 +5053,7 @@
           <a:p>
             <a:fld id="{64B92FE1-51A9-415F-8136-DA7198B8F738}" type="datetimeFigureOut">
               <a:rPr lang="en-US" smtClean="0"/>
-              <a:t>5/9/2022</a:t>
+              <a:t>5/13/2022</a:t>
             </a:fld>
             <a:endParaRPr lang="en-US" dirty="0"/>
           </a:p>
@@ -7169,7 +7170,7 @@
           <a:p>
             <a:fld id="{64B92FE1-51A9-415F-8136-DA7198B8F738}" type="datetimeFigureOut">
               <a:rPr lang="en-US" smtClean="0"/>
-              <a:t>5/9/2022</a:t>
+              <a:t>5/13/2022</a:t>
             </a:fld>
             <a:endParaRPr lang="en-US" dirty="0"/>
           </a:p>
@@ -9324,6 +9325,754 @@
       </p:par>
     </p:tnLst>
   </p:timing>
+</p:sld>
+</file>
+
+<file path=ppt/slides/slide13.xml><?xml version="1.0" encoding="utf-8"?>
+<p:sld xmlns:a="http://schemas.openxmlformats.org/drawingml/2006/main" xmlns:r="http://schemas.openxmlformats.org/officeDocument/2006/relationships" xmlns:p="http://schemas.openxmlformats.org/presentationml/2006/main">
+  <p:cSld>
+    <p:spTree>
+      <p:nvGrpSpPr>
+        <p:cNvPr id="1" name=""/>
+        <p:cNvGrpSpPr/>
+        <p:nvPr/>
+      </p:nvGrpSpPr>
+      <p:grpSpPr>
+        <a:xfrm>
+          <a:off x="0" y="0"/>
+          <a:ext cx="0" cy="0"/>
+          <a:chOff x="0" y="0"/>
+          <a:chExt cx="0" cy="0"/>
+        </a:xfrm>
+      </p:grpSpPr>
+      <p:sp>
+        <p:nvSpPr>
+          <p:cNvPr id="2" name="Title 1"/>
+          <p:cNvSpPr>
+            <a:spLocks noGrp="1"/>
+          </p:cNvSpPr>
+          <p:nvPr>
+            <p:ph type="title"/>
+          </p:nvPr>
+        </p:nvSpPr>
+        <p:spPr>
+          <a:xfrm>
+            <a:off x="2592925" y="624110"/>
+            <a:ext cx="8911687" cy="704358"/>
+          </a:xfrm>
+        </p:spPr>
+        <p:txBody>
+          <a:bodyPr/>
+          <a:lstStyle/>
+          <a:p>
+            <a:r>
+              <a:rPr lang="en-US" dirty="0" smtClean="0"/>
+              <a:t>NEXT STEPS (MVP 30</a:t>
+            </a:r>
+            <a:r>
+              <a:rPr lang="en-US" baseline="30000" dirty="0" smtClean="0"/>
+              <a:t>th</a:t>
+            </a:r>
+            <a:r>
+              <a:rPr lang="en-US" dirty="0" smtClean="0"/>
+              <a:t> June 2022)</a:t>
+            </a:r>
+            <a:endParaRPr lang="en-US" dirty="0"/>
+          </a:p>
+        </p:txBody>
+      </p:sp>
+      <p:graphicFrame>
+        <p:nvGraphicFramePr>
+          <p:cNvPr id="4" name="Content Placeholder 3"/>
+          <p:cNvGraphicFramePr>
+            <a:graphicFrameLocks noGrp="1"/>
+          </p:cNvGraphicFramePr>
+          <p:nvPr>
+            <p:ph idx="1"/>
+            <p:extLst>
+              <p:ext uri="{D42A27DB-BD31-4B8C-83A1-F6EECF244321}">
+                <p14:modId xmlns:p14="http://schemas.microsoft.com/office/powerpoint/2010/main" val="1183304214"/>
+              </p:ext>
+            </p:extLst>
+          </p:nvPr>
+        </p:nvGraphicFramePr>
+        <p:xfrm>
+          <a:off x="1968111" y="1328468"/>
+          <a:ext cx="8915400" cy="3703320"/>
+        </p:xfrm>
+        <a:graphic>
+          <a:graphicData uri="http://schemas.openxmlformats.org/drawingml/2006/table">
+            <a:tbl>
+              <a:tblPr firstRow="1" bandRow="1">
+                <a:tableStyleId>{5C22544A-7EE6-4342-B048-85BDC9FD1C3A}</a:tableStyleId>
+              </a:tblPr>
+              <a:tblGrid>
+                <a:gridCol w="671572"/>
+                <a:gridCol w="3053751"/>
+                <a:gridCol w="1630392"/>
+                <a:gridCol w="2078966"/>
+                <a:gridCol w="1480719"/>
+              </a:tblGrid>
+              <a:tr h="370840">
+                <a:tc>
+                  <a:txBody>
+                    <a:bodyPr/>
+                    <a:lstStyle/>
+                    <a:p>
+                      <a:r>
+                        <a:rPr lang="en-US" sz="1400" dirty="0" smtClean="0"/>
+                        <a:t>S/N</a:t>
+                      </a:r>
+                      <a:endParaRPr lang="en-US" sz="1400" dirty="0"/>
+                    </a:p>
+                  </a:txBody>
+                  <a:tcPr/>
+                </a:tc>
+                <a:tc>
+                  <a:txBody>
+                    <a:bodyPr/>
+                    <a:lstStyle/>
+                    <a:p>
+                      <a:r>
+                        <a:rPr lang="en-US" sz="1400" dirty="0" smtClean="0"/>
+                        <a:t>PENDING TASKS</a:t>
+                      </a:r>
+                      <a:endParaRPr lang="en-US" sz="1400" dirty="0"/>
+                    </a:p>
+                  </a:txBody>
+                  <a:tcPr/>
+                </a:tc>
+                <a:tc>
+                  <a:txBody>
+                    <a:bodyPr/>
+                    <a:lstStyle/>
+                    <a:p>
+                      <a:r>
+                        <a:rPr lang="en-US" sz="1400" dirty="0" smtClean="0"/>
+                        <a:t>START DATE</a:t>
+                      </a:r>
+                      <a:endParaRPr lang="en-US" sz="1400" dirty="0"/>
+                    </a:p>
+                  </a:txBody>
+                  <a:tcPr/>
+                </a:tc>
+                <a:tc>
+                  <a:txBody>
+                    <a:bodyPr/>
+                    <a:lstStyle/>
+                    <a:p>
+                      <a:r>
+                        <a:rPr lang="en-US" sz="1400" dirty="0" smtClean="0"/>
+                        <a:t>END DATE</a:t>
+                      </a:r>
+                      <a:endParaRPr lang="en-US" sz="1400" dirty="0"/>
+                    </a:p>
+                  </a:txBody>
+                  <a:tcPr/>
+                </a:tc>
+                <a:tc>
+                  <a:txBody>
+                    <a:bodyPr/>
+                    <a:lstStyle/>
+                    <a:p>
+                      <a:r>
+                        <a:rPr lang="en-US" sz="1400" dirty="0" smtClean="0"/>
+                        <a:t>RESPONSIBLE</a:t>
+                      </a:r>
+                      <a:endParaRPr lang="en-US" sz="1400" dirty="0"/>
+                    </a:p>
+                  </a:txBody>
+                  <a:tcPr/>
+                </a:tc>
+              </a:tr>
+              <a:tr h="370840">
+                <a:tc>
+                  <a:txBody>
+                    <a:bodyPr/>
+                    <a:lstStyle/>
+                    <a:p>
+                      <a:r>
+                        <a:rPr lang="en-US" sz="1400" dirty="0" smtClean="0"/>
+                        <a:t>1.</a:t>
+                      </a:r>
+                      <a:endParaRPr lang="en-US" sz="1400" dirty="0"/>
+                    </a:p>
+                  </a:txBody>
+                  <a:tcPr/>
+                </a:tc>
+                <a:tc>
+                  <a:txBody>
+                    <a:bodyPr/>
+                    <a:lstStyle/>
+                    <a:p>
+                      <a:r>
+                        <a:rPr lang="en-US" sz="1400" dirty="0" smtClean="0"/>
+                        <a:t>Configure</a:t>
+                      </a:r>
+                      <a:r>
+                        <a:rPr lang="en-US" sz="1400" baseline="0" dirty="0" smtClean="0"/>
+                        <a:t> and Deploy MVP CDR</a:t>
+                      </a:r>
+                      <a:endParaRPr lang="en-US" sz="1400" dirty="0"/>
+                    </a:p>
+                  </a:txBody>
+                  <a:tcPr/>
+                </a:tc>
+                <a:tc>
+                  <a:txBody>
+                    <a:bodyPr/>
+                    <a:lstStyle/>
+                    <a:p>
+                      <a:r>
+                        <a:rPr lang="en-US" sz="1400" dirty="0" smtClean="0"/>
+                        <a:t>16</a:t>
+                      </a:r>
+                      <a:r>
+                        <a:rPr lang="en-US" sz="1400" baseline="30000" dirty="0" smtClean="0"/>
+                        <a:t>th</a:t>
+                      </a:r>
+                      <a:r>
+                        <a:rPr lang="en-US" sz="1400" dirty="0" smtClean="0"/>
+                        <a:t> May 2022</a:t>
+                      </a:r>
+                      <a:endParaRPr lang="en-US" sz="1400" dirty="0"/>
+                    </a:p>
+                  </a:txBody>
+                  <a:tcPr/>
+                </a:tc>
+                <a:tc>
+                  <a:txBody>
+                    <a:bodyPr/>
+                    <a:lstStyle/>
+                    <a:p>
+                      <a:r>
+                        <a:rPr lang="en-US" sz="1400" dirty="0" smtClean="0"/>
+                        <a:t>18</a:t>
+                      </a:r>
+                      <a:r>
+                        <a:rPr lang="en-US" sz="1400" baseline="30000" dirty="0" smtClean="0"/>
+                        <a:t>th</a:t>
+                      </a:r>
+                      <a:r>
+                        <a:rPr lang="en-US" sz="1400" dirty="0" smtClean="0"/>
+                        <a:t> May 2022</a:t>
+                      </a:r>
+                      <a:endParaRPr lang="en-US" sz="1400" dirty="0"/>
+                    </a:p>
+                  </a:txBody>
+                  <a:tcPr/>
+                </a:tc>
+                <a:tc>
+                  <a:txBody>
+                    <a:bodyPr/>
+                    <a:lstStyle/>
+                    <a:p>
+                      <a:endParaRPr lang="en-US" sz="1400" dirty="0"/>
+                    </a:p>
+                  </a:txBody>
+                  <a:tcPr/>
+                </a:tc>
+              </a:tr>
+              <a:tr h="370840">
+                <a:tc>
+                  <a:txBody>
+                    <a:bodyPr/>
+                    <a:lstStyle/>
+                    <a:p>
+                      <a:r>
+                        <a:rPr lang="en-US" sz="1400" dirty="0" smtClean="0"/>
+                        <a:t>2.</a:t>
+                      </a:r>
+                      <a:endParaRPr lang="en-US" sz="1400" dirty="0"/>
+                    </a:p>
+                  </a:txBody>
+                  <a:tcPr/>
+                </a:tc>
+                <a:tc>
+                  <a:txBody>
+                    <a:bodyPr/>
+                    <a:lstStyle/>
+                    <a:p>
+                      <a:r>
+                        <a:rPr lang="en-US" sz="1400" dirty="0" smtClean="0"/>
+                        <a:t>Commence Upload of XML files into CDR and fix all critical</a:t>
+                      </a:r>
+                      <a:r>
+                        <a:rPr lang="en-US" sz="1400" baseline="0" dirty="0" smtClean="0"/>
+                        <a:t> errors</a:t>
+                      </a:r>
+                      <a:endParaRPr lang="en-US" sz="1400" dirty="0"/>
+                    </a:p>
+                  </a:txBody>
+                  <a:tcPr/>
+                </a:tc>
+                <a:tc>
+                  <a:txBody>
+                    <a:bodyPr/>
+                    <a:lstStyle/>
+                    <a:p>
+                      <a:r>
+                        <a:rPr lang="en-US" sz="1400" dirty="0" smtClean="0"/>
+                        <a:t>23</a:t>
+                      </a:r>
+                      <a:r>
+                        <a:rPr lang="en-US" sz="1400" baseline="30000" dirty="0" smtClean="0"/>
+                        <a:t>rd</a:t>
+                      </a:r>
+                      <a:r>
+                        <a:rPr lang="en-US" sz="1400" dirty="0" smtClean="0"/>
+                        <a:t> May 2022</a:t>
+                      </a:r>
+                      <a:endParaRPr lang="en-US" sz="1400" dirty="0"/>
+                    </a:p>
+                  </a:txBody>
+                  <a:tcPr/>
+                </a:tc>
+                <a:tc>
+                  <a:txBody>
+                    <a:bodyPr/>
+                    <a:lstStyle/>
+                    <a:p>
+                      <a:r>
+                        <a:rPr lang="en-US" sz="1400" dirty="0" smtClean="0"/>
+                        <a:t>27</a:t>
+                      </a:r>
+                      <a:r>
+                        <a:rPr lang="en-US" sz="1400" baseline="30000" dirty="0" smtClean="0"/>
+                        <a:t>th</a:t>
+                      </a:r>
+                      <a:r>
+                        <a:rPr lang="en-US" sz="1400" dirty="0" smtClean="0"/>
+                        <a:t> May 2022</a:t>
+                      </a:r>
+                      <a:endParaRPr lang="en-US" sz="1400" dirty="0"/>
+                    </a:p>
+                  </a:txBody>
+                  <a:tcPr/>
+                </a:tc>
+                <a:tc>
+                  <a:txBody>
+                    <a:bodyPr/>
+                    <a:lstStyle/>
+                    <a:p>
+                      <a:endParaRPr lang="en-US" sz="1400"/>
+                    </a:p>
+                  </a:txBody>
+                  <a:tcPr/>
+                </a:tc>
+              </a:tr>
+              <a:tr h="370840">
+                <a:tc>
+                  <a:txBody>
+                    <a:bodyPr/>
+                    <a:lstStyle/>
+                    <a:p>
+                      <a:r>
+                        <a:rPr lang="en-US" sz="1400" dirty="0" smtClean="0"/>
+                        <a:t>3.</a:t>
+                      </a:r>
+                      <a:endParaRPr lang="en-US" sz="1400" dirty="0"/>
+                    </a:p>
+                  </a:txBody>
+                  <a:tcPr/>
+                </a:tc>
+                <a:tc>
+                  <a:txBody>
+                    <a:bodyPr/>
+                    <a:lstStyle/>
+                    <a:p>
+                      <a:r>
+                        <a:rPr lang="en-US" sz="1400" dirty="0" smtClean="0"/>
+                        <a:t>Reporting module (ART Line List export)</a:t>
+                      </a:r>
+                      <a:endParaRPr lang="en-US" sz="1400" dirty="0"/>
+                    </a:p>
+                  </a:txBody>
+                  <a:tcPr/>
+                </a:tc>
+                <a:tc>
+                  <a:txBody>
+                    <a:bodyPr/>
+                    <a:lstStyle/>
+                    <a:p>
+                      <a:r>
+                        <a:rPr lang="en-US" sz="1400" dirty="0" smtClean="0"/>
+                        <a:t>30</a:t>
+                      </a:r>
+                      <a:r>
+                        <a:rPr lang="en-US" sz="1400" baseline="30000" dirty="0" smtClean="0"/>
+                        <a:t>th</a:t>
+                      </a:r>
+                      <a:r>
+                        <a:rPr lang="en-US" sz="1400" dirty="0" smtClean="0"/>
+                        <a:t> May 2022</a:t>
+                      </a:r>
+                      <a:endParaRPr lang="en-US" sz="1400" dirty="0"/>
+                    </a:p>
+                  </a:txBody>
+                  <a:tcPr/>
+                </a:tc>
+                <a:tc>
+                  <a:txBody>
+                    <a:bodyPr/>
+                    <a:lstStyle/>
+                    <a:p>
+                      <a:r>
+                        <a:rPr lang="en-US" sz="1400" dirty="0" smtClean="0"/>
+                        <a:t>3</a:t>
+                      </a:r>
+                      <a:r>
+                        <a:rPr lang="en-US" sz="1400" baseline="30000" dirty="0" smtClean="0"/>
+                        <a:t>rd</a:t>
+                      </a:r>
+                      <a:r>
+                        <a:rPr lang="en-US" sz="1400" dirty="0" smtClean="0"/>
+                        <a:t> June 2022</a:t>
+                      </a:r>
+                      <a:endParaRPr lang="en-US" sz="1400" dirty="0"/>
+                    </a:p>
+                  </a:txBody>
+                  <a:tcPr/>
+                </a:tc>
+                <a:tc>
+                  <a:txBody>
+                    <a:bodyPr/>
+                    <a:lstStyle/>
+                    <a:p>
+                      <a:endParaRPr lang="en-US" sz="1400"/>
+                    </a:p>
+                  </a:txBody>
+                  <a:tcPr/>
+                </a:tc>
+              </a:tr>
+              <a:tr h="370840">
+                <a:tc>
+                  <a:txBody>
+                    <a:bodyPr/>
+                    <a:lstStyle/>
+                    <a:p>
+                      <a:r>
+                        <a:rPr lang="en-US" sz="1400" dirty="0" smtClean="0"/>
+                        <a:t>4.</a:t>
+                      </a:r>
+                      <a:endParaRPr lang="en-US" sz="1400" dirty="0"/>
+                    </a:p>
+                  </a:txBody>
+                  <a:tcPr/>
+                </a:tc>
+                <a:tc>
+                  <a:txBody>
+                    <a:bodyPr/>
+                    <a:lstStyle/>
+                    <a:p>
+                      <a:r>
+                        <a:rPr lang="en-US" sz="1400" dirty="0" smtClean="0"/>
+                        <a:t>Cohort Builder (TX_CURR, TX_NEW,TX_PVLS,TX_ML, TX_RTT)</a:t>
+                      </a:r>
+                      <a:endParaRPr lang="en-US" sz="1400" dirty="0"/>
+                    </a:p>
+                  </a:txBody>
+                  <a:tcPr/>
+                </a:tc>
+                <a:tc>
+                  <a:txBody>
+                    <a:bodyPr/>
+                    <a:lstStyle/>
+                    <a:p>
+                      <a:r>
+                        <a:rPr lang="en-US" sz="1400" dirty="0" smtClean="0"/>
+                        <a:t>13</a:t>
+                      </a:r>
+                      <a:r>
+                        <a:rPr lang="en-US" sz="1400" baseline="30000" dirty="0" smtClean="0"/>
+                        <a:t>th</a:t>
+                      </a:r>
+                      <a:r>
+                        <a:rPr lang="en-US" sz="1400" dirty="0" smtClean="0"/>
+                        <a:t> May 2022</a:t>
+                      </a:r>
+                      <a:endParaRPr lang="en-US" sz="1400" dirty="0"/>
+                    </a:p>
+                  </a:txBody>
+                  <a:tcPr/>
+                </a:tc>
+                <a:tc>
+                  <a:txBody>
+                    <a:bodyPr/>
+                    <a:lstStyle/>
+                    <a:p>
+                      <a:r>
+                        <a:rPr lang="en-US" sz="1400" dirty="0" smtClean="0"/>
+                        <a:t>18</a:t>
+                      </a:r>
+                      <a:r>
+                        <a:rPr lang="en-US" sz="1400" baseline="30000" dirty="0" smtClean="0"/>
+                        <a:t>th</a:t>
+                      </a:r>
+                      <a:r>
+                        <a:rPr lang="en-US" sz="1400" dirty="0" smtClean="0"/>
+                        <a:t> May 2022</a:t>
+                      </a:r>
+                      <a:endParaRPr lang="en-US" sz="1400" dirty="0"/>
+                    </a:p>
+                  </a:txBody>
+                  <a:tcPr/>
+                </a:tc>
+                <a:tc>
+                  <a:txBody>
+                    <a:bodyPr/>
+                    <a:lstStyle/>
+                    <a:p>
+                      <a:endParaRPr lang="en-US" sz="1400"/>
+                    </a:p>
+                  </a:txBody>
+                  <a:tcPr/>
+                </a:tc>
+              </a:tr>
+              <a:tr h="370840">
+                <a:tc>
+                  <a:txBody>
+                    <a:bodyPr/>
+                    <a:lstStyle/>
+                    <a:p>
+                      <a:r>
+                        <a:rPr lang="en-US" sz="1400" dirty="0" smtClean="0"/>
+                        <a:t>5.</a:t>
+                      </a:r>
+                      <a:endParaRPr lang="en-US" sz="1400" dirty="0"/>
+                    </a:p>
+                  </a:txBody>
+                  <a:tcPr/>
+                </a:tc>
+                <a:tc>
+                  <a:txBody>
+                    <a:bodyPr/>
+                    <a:lstStyle/>
+                    <a:p>
+                      <a:r>
+                        <a:rPr lang="en-US" sz="1400" dirty="0" smtClean="0"/>
+                        <a:t>Analytics</a:t>
+                      </a:r>
+                      <a:r>
+                        <a:rPr lang="en-US" sz="1400" baseline="0" dirty="0" smtClean="0"/>
+                        <a:t> (Phase 1)</a:t>
+                      </a:r>
+                    </a:p>
+                    <a:p>
+                      <a:r>
+                        <a:rPr lang="en-US" sz="1400" baseline="0" dirty="0" smtClean="0"/>
+                        <a:t>   - Performance Monitoring</a:t>
+                      </a:r>
+                      <a:endParaRPr lang="en-US" sz="1400" dirty="0"/>
+                    </a:p>
+                  </a:txBody>
+                  <a:tcPr/>
+                </a:tc>
+                <a:tc>
+                  <a:txBody>
+                    <a:bodyPr/>
+                    <a:lstStyle/>
+                    <a:p>
+                      <a:r>
+                        <a:rPr lang="en-US" sz="1400" dirty="0" smtClean="0"/>
+                        <a:t>20</a:t>
+                      </a:r>
+                      <a:r>
+                        <a:rPr lang="en-US" sz="1400" baseline="30000" dirty="0" smtClean="0"/>
+                        <a:t>th</a:t>
+                      </a:r>
+                      <a:r>
+                        <a:rPr lang="en-US" sz="1400" dirty="0" smtClean="0"/>
+                        <a:t> June 2022</a:t>
+                      </a:r>
+                      <a:endParaRPr lang="en-US" sz="1400" dirty="0"/>
+                    </a:p>
+                  </a:txBody>
+                  <a:tcPr/>
+                </a:tc>
+                <a:tc>
+                  <a:txBody>
+                    <a:bodyPr/>
+                    <a:lstStyle/>
+                    <a:p>
+                      <a:r>
+                        <a:rPr lang="en-US" sz="1400" dirty="0" smtClean="0"/>
+                        <a:t>25</a:t>
+                      </a:r>
+                      <a:r>
+                        <a:rPr lang="en-US" sz="1400" baseline="30000" dirty="0" smtClean="0"/>
+                        <a:t>th</a:t>
+                      </a:r>
+                      <a:r>
+                        <a:rPr lang="en-US" sz="1400" dirty="0" smtClean="0"/>
+                        <a:t> June 2022</a:t>
+                      </a:r>
+                      <a:endParaRPr lang="en-US" sz="1400" dirty="0"/>
+                    </a:p>
+                  </a:txBody>
+                  <a:tcPr/>
+                </a:tc>
+                <a:tc>
+                  <a:txBody>
+                    <a:bodyPr/>
+                    <a:lstStyle/>
+                    <a:p>
+                      <a:endParaRPr lang="en-US" sz="1400"/>
+                    </a:p>
+                  </a:txBody>
+                  <a:tcPr/>
+                </a:tc>
+              </a:tr>
+              <a:tr h="370840">
+                <a:tc>
+                  <a:txBody>
+                    <a:bodyPr/>
+                    <a:lstStyle/>
+                    <a:p>
+                      <a:r>
+                        <a:rPr lang="en-US" sz="1400" dirty="0" smtClean="0"/>
+                        <a:t>6.</a:t>
+                      </a:r>
+                      <a:endParaRPr lang="en-US" sz="1400" dirty="0"/>
+                    </a:p>
+                  </a:txBody>
+                  <a:tcPr/>
+                </a:tc>
+                <a:tc>
+                  <a:txBody>
+                    <a:bodyPr/>
+                    <a:lstStyle/>
+                    <a:p>
+                      <a:r>
+                        <a:rPr lang="en-US" sz="1400" dirty="0" smtClean="0"/>
+                        <a:t>Testing and Matching with EMR and NDR Indicators</a:t>
+                      </a:r>
+                      <a:endParaRPr lang="en-US" sz="1400" dirty="0"/>
+                    </a:p>
+                  </a:txBody>
+                  <a:tcPr/>
+                </a:tc>
+                <a:tc>
+                  <a:txBody>
+                    <a:bodyPr/>
+                    <a:lstStyle/>
+                    <a:p>
+                      <a:r>
+                        <a:rPr lang="en-US" sz="1400" dirty="0" smtClean="0"/>
+                        <a:t>27</a:t>
+                      </a:r>
+                      <a:r>
+                        <a:rPr lang="en-US" sz="1400" baseline="30000" dirty="0" smtClean="0"/>
+                        <a:t>th</a:t>
+                      </a:r>
+                      <a:r>
+                        <a:rPr lang="en-US" sz="1400" dirty="0" smtClean="0"/>
+                        <a:t> June 2022</a:t>
+                      </a:r>
+                      <a:endParaRPr lang="en-US" sz="1400" dirty="0"/>
+                    </a:p>
+                  </a:txBody>
+                  <a:tcPr/>
+                </a:tc>
+                <a:tc>
+                  <a:txBody>
+                    <a:bodyPr/>
+                    <a:lstStyle/>
+                    <a:p>
+                      <a:r>
+                        <a:rPr lang="en-US" sz="1400" dirty="0" smtClean="0"/>
+                        <a:t>30</a:t>
+                      </a:r>
+                      <a:r>
+                        <a:rPr lang="en-US" sz="1400" baseline="30000" dirty="0" smtClean="0"/>
+                        <a:t>th</a:t>
+                      </a:r>
+                      <a:r>
+                        <a:rPr lang="en-US" sz="1400" dirty="0" smtClean="0"/>
+                        <a:t> June 2022</a:t>
+                      </a:r>
+                      <a:endParaRPr lang="en-US" sz="1400" dirty="0"/>
+                    </a:p>
+                  </a:txBody>
+                  <a:tcPr/>
+                </a:tc>
+                <a:tc>
+                  <a:txBody>
+                    <a:bodyPr/>
+                    <a:lstStyle/>
+                    <a:p>
+                      <a:endParaRPr lang="en-US" sz="1400" dirty="0"/>
+                    </a:p>
+                  </a:txBody>
+                  <a:tcPr/>
+                </a:tc>
+              </a:tr>
+              <a:tr h="370840">
+                <a:tc>
+                  <a:txBody>
+                    <a:bodyPr/>
+                    <a:lstStyle/>
+                    <a:p>
+                      <a:endParaRPr lang="en-US" sz="1400"/>
+                    </a:p>
+                  </a:txBody>
+                  <a:tcPr/>
+                </a:tc>
+                <a:tc>
+                  <a:txBody>
+                    <a:bodyPr/>
+                    <a:lstStyle/>
+                    <a:p>
+                      <a:endParaRPr lang="en-US" sz="1400"/>
+                    </a:p>
+                  </a:txBody>
+                  <a:tcPr/>
+                </a:tc>
+                <a:tc>
+                  <a:txBody>
+                    <a:bodyPr/>
+                    <a:lstStyle/>
+                    <a:p>
+                      <a:endParaRPr lang="en-US" sz="1400"/>
+                    </a:p>
+                  </a:txBody>
+                  <a:tcPr/>
+                </a:tc>
+                <a:tc>
+                  <a:txBody>
+                    <a:bodyPr/>
+                    <a:lstStyle/>
+                    <a:p>
+                      <a:endParaRPr lang="en-US" sz="1400" dirty="0"/>
+                    </a:p>
+                  </a:txBody>
+                  <a:tcPr/>
+                </a:tc>
+                <a:tc>
+                  <a:txBody>
+                    <a:bodyPr/>
+                    <a:lstStyle/>
+                    <a:p>
+                      <a:endParaRPr lang="en-US" sz="1400" dirty="0"/>
+                    </a:p>
+                  </a:txBody>
+                  <a:tcPr/>
+                </a:tc>
+              </a:tr>
+            </a:tbl>
+          </a:graphicData>
+        </a:graphic>
+      </p:graphicFrame>
+    </p:spTree>
+    <p:extLst>
+      <p:ext uri="{BB962C8B-B14F-4D97-AF65-F5344CB8AC3E}">
+        <p14:creationId xmlns:p14="http://schemas.microsoft.com/office/powerpoint/2010/main" val="3296300640"/>
+      </p:ext>
+    </p:extLst>
+  </p:cSld>
+  <p:clrMapOvr>
+    <a:masterClrMapping/>
+  </p:clrMapOvr>
 </p:sld>
 </file>
 
@@ -10645,22 +11394,13 @@
           <a:p>
             <a:r>
               <a:rPr lang="en-US" dirty="0" smtClean="0"/>
-              <a:t>Consumer Service: </a:t>
+              <a:t>Consumer Service: Convert XML to JSON, API end point to receive data from the synch module</a:t>
             </a:r>
+          </a:p>
+          <a:p>
             <a:r>
               <a:rPr lang="en-US" dirty="0" smtClean="0"/>
-              <a:t>Convert XML to JSON, API end point to receive data from the synch module</a:t>
-            </a:r>
-            <a:endParaRPr lang="en-US" dirty="0" smtClean="0"/>
-          </a:p>
-          <a:p>
-            <a:r>
-              <a:rPr lang="en-US" dirty="0" smtClean="0"/>
-              <a:t>Staging Area </a:t>
-            </a:r>
-            <a:r>
-              <a:rPr lang="en-US" dirty="0" smtClean="0"/>
-              <a:t>Database (</a:t>
+              <a:t>Staging Area Database (</a:t>
             </a:r>
             <a:r>
               <a:rPr lang="en-US" dirty="0" err="1" smtClean="0"/>
@@ -10668,11 +11408,7 @@
             </a:r>
             <a:r>
               <a:rPr lang="en-US" dirty="0" smtClean="0"/>
-              <a:t>): </a:t>
-            </a:r>
-            <a:r>
-              <a:rPr lang="en-US" dirty="0" smtClean="0"/>
-              <a:t>Mirrors database at facility, no validation rules</a:t>
+              <a:t>): Mirrors database at facility, no validation rules</a:t>
             </a:r>
           </a:p>
           <a:p>
@@ -10684,11 +11420,7 @@
           <a:p>
             <a:r>
               <a:rPr lang="en-US" dirty="0" smtClean="0"/>
-              <a:t>Analytic </a:t>
-            </a:r>
-            <a:r>
-              <a:rPr lang="en-US" dirty="0" smtClean="0"/>
-              <a:t>Database (</a:t>
+              <a:t>Analytic Database (</a:t>
             </a:r>
             <a:r>
               <a:rPr lang="en-US" dirty="0" err="1" smtClean="0"/>
@@ -10696,29 +11428,13 @@
             </a:r>
             <a:r>
               <a:rPr lang="en-US" dirty="0" smtClean="0"/>
-              <a:t>): </a:t>
+              <a:t>): Subject based tables for easy analysis</a:t>
             </a:r>
+          </a:p>
+          <a:p>
             <a:r>
               <a:rPr lang="en-US" dirty="0" smtClean="0"/>
-              <a:t>Subject based tables for easy analysis</a:t>
-            </a:r>
-          </a:p>
-          <a:p>
-            <a:r>
-              <a:rPr lang="en-US" dirty="0" smtClean="0"/>
-              <a:t>NMRS Synch </a:t>
-            </a:r>
-            <a:r>
-              <a:rPr lang="en-US" dirty="0" smtClean="0"/>
-              <a:t>Module (Future version) : </a:t>
-            </a:r>
-            <a:r>
-              <a:rPr lang="en-US" dirty="0" smtClean="0"/>
-              <a:t>API communication to consumer </a:t>
-            </a:r>
-            <a:r>
-              <a:rPr lang="en-US" dirty="0" smtClean="0"/>
-              <a:t>service</a:t>
+              <a:t>NMRS Synch Module (Future version) : API communication to consumer service</a:t>
             </a:r>
           </a:p>
           <a:p>
@@ -10732,7 +11448,6 @@
               <a:rPr lang="en-US" dirty="0" smtClean="0"/>
               <a:t>Deduplication Service: Matches finger prints</a:t>
             </a:r>
-            <a:endParaRPr lang="en-US" dirty="0" smtClean="0"/>
           </a:p>
           <a:p>
             <a:r>
@@ -10975,15 +11690,7 @@
                     <a:p>
                       <a:r>
                         <a:rPr lang="en-US" sz="1200" dirty="0" smtClean="0"/>
-                        <a:t>NMRS </a:t>
-                      </a:r>
-                      <a:r>
-                        <a:rPr lang="en-US" sz="1200" dirty="0" smtClean="0"/>
-                        <a:t>Extractor </a:t>
-                      </a:r>
-                      <a:r>
-                        <a:rPr lang="en-US" sz="1200" dirty="0" smtClean="0"/>
-                        <a:t>Module</a:t>
+                        <a:t>NMRS Extractor Module</a:t>
                       </a:r>
                       <a:endParaRPr lang="en-US" sz="1200" dirty="0"/>
                     </a:p>

--- a/Documentations/IHVN PROGRAM DASHBOARD.pptx
+++ b/Documentations/IHVN PROGRAM DASHBOARD.pptx
@@ -9391,7 +9391,7 @@
             <p:ph idx="1"/>
             <p:extLst>
               <p:ext uri="{D42A27DB-BD31-4B8C-83A1-F6EECF244321}">
-                <p14:modId xmlns:p14="http://schemas.microsoft.com/office/powerpoint/2010/main" val="1183304214"/>
+                <p14:modId xmlns:p14="http://schemas.microsoft.com/office/powerpoint/2010/main" val="4112723400"/>
               </p:ext>
             </p:extLst>
           </p:nvPr>
@@ -9788,8 +9788,16 @@
                         <a:t>th</a:t>
                       </a:r>
                       <a:r>
+                        <a:rPr lang="en-US" sz="1400" baseline="0" dirty="0" smtClean="0"/>
+                        <a:t> June</a:t>
+                      </a:r>
+                      <a:r>
                         <a:rPr lang="en-US" sz="1400" dirty="0" smtClean="0"/>
-                        <a:t> May 2022</a:t>
+                        <a:t> </a:t>
+                      </a:r>
+                      <a:r>
+                        <a:rPr lang="en-US" sz="1400" dirty="0" smtClean="0"/>
+                        <a:t>2022</a:t>
                       </a:r>
                       <a:endParaRPr lang="en-US" sz="1400" dirty="0"/>
                     </a:p>
@@ -9802,16 +9810,24 @@
                     <a:lstStyle/>
                     <a:p>
                       <a:r>
+                        <a:rPr lang="en-US" sz="1400" smtClean="0"/>
+                        <a:t>18</a:t>
+                      </a:r>
+                      <a:r>
+                        <a:rPr lang="en-US" sz="1400" baseline="30000" smtClean="0"/>
+                        <a:t>th</a:t>
+                      </a:r>
+                      <a:r>
+                        <a:rPr lang="en-US" sz="1400" baseline="0" smtClean="0"/>
+                        <a:t> June</a:t>
+                      </a:r>
+                      <a:r>
+                        <a:rPr lang="en-US" sz="1400" smtClean="0"/>
+                        <a:t> </a:t>
+                      </a:r>
+                      <a:r>
                         <a:rPr lang="en-US" sz="1400" dirty="0" smtClean="0"/>
-                        <a:t>18</a:t>
-                      </a:r>
-                      <a:r>
-                        <a:rPr lang="en-US" sz="1400" baseline="30000" dirty="0" smtClean="0"/>
-                        <a:t>th</a:t>
-                      </a:r>
-                      <a:r>
-                        <a:rPr lang="en-US" sz="1400" dirty="0" smtClean="0"/>
-                        <a:t> May 2022</a:t>
+                        <a:t>2022</a:t>
                       </a:r>
                       <a:endParaRPr lang="en-US" sz="1400" dirty="0"/>
                     </a:p>
@@ -10073,6 +10089,13 @@
   <p:clrMapOvr>
     <a:masterClrMapping/>
   </p:clrMapOvr>
+  <p:timing>
+    <p:tnLst>
+      <p:par>
+        <p:cTn id="1" dur="indefinite" restart="never" nodeType="tmRoot"/>
+      </p:par>
+    </p:tnLst>
+  </p:timing>
 </p:sld>
 </file>
 
